--- a/InterId - Project Presentation.pptx
+++ b/InterId - Project Presentation.pptx
@@ -3836,8 +3836,8 @@
         <a:lstStyle/>
         <a:p>
           <a:r>
-            <a:rPr lang="en-US"/>
-            <a:t>Open International ID</a:t>
+            <a:rPr lang="en-US" dirty="0"/>
+            <a:t>International ID</a:t>
           </a:r>
         </a:p>
       </dgm:t>
@@ -5532,8 +5532,8 @@
             <a:buNone/>
           </a:pPr>
           <a:r>
-            <a:rPr lang="en-US" sz="2500" kern="1200"/>
-            <a:t>Open International ID</a:t>
+            <a:rPr lang="en-US" sz="2500" kern="1200" dirty="0"/>
+            <a:t>International ID</a:t>
           </a:r>
         </a:p>
       </dsp:txBody>
@@ -12939,7 +12939,7 @@
           <a:p>
             <a:fld id="{82EDB8D0-98ED-4B86-9D5F-E61ADC70144D}" type="datetimeFigureOut">
               <a:rPr lang="en-US" smtClean="0"/>
-              <a:t>10/10/2024</a:t>
+              <a:t>10/16/2024</a:t>
             </a:fld>
             <a:endParaRPr lang="en-US"/>
           </a:p>
@@ -13354,7 +13354,7 @@
           <a:p>
             <a:fld id="{82EDB8D0-98ED-4B86-9D5F-E61ADC70144D}" type="datetimeFigureOut">
               <a:rPr lang="en-US" smtClean="0"/>
-              <a:t>10/10/2024</a:t>
+              <a:t>10/16/2024</a:t>
             </a:fld>
             <a:endParaRPr lang="en-US"/>
           </a:p>
@@ -13846,7 +13846,7 @@
           <a:p>
             <a:fld id="{82EDB8D0-98ED-4B86-9D5F-E61ADC70144D}" type="datetimeFigureOut">
               <a:rPr lang="en-US" smtClean="0"/>
-              <a:t>10/10/2024</a:t>
+              <a:t>10/16/2024</a:t>
             </a:fld>
             <a:endParaRPr lang="en-US"/>
           </a:p>
@@ -14333,7 +14333,7 @@
           <a:p>
             <a:fld id="{82EDB8D0-98ED-4B86-9D5F-E61ADC70144D}" type="datetimeFigureOut">
               <a:rPr lang="en-US" smtClean="0"/>
-              <a:t>10/10/2024</a:t>
+              <a:t>10/16/2024</a:t>
             </a:fld>
             <a:endParaRPr lang="en-US"/>
           </a:p>
@@ -15102,7 +15102,7 @@
           <a:p>
             <a:fld id="{82EDB8D0-98ED-4B86-9D5F-E61ADC70144D}" type="datetimeFigureOut">
               <a:rPr lang="en-US" smtClean="0"/>
-              <a:t>10/10/2024</a:t>
+              <a:t>10/16/2024</a:t>
             </a:fld>
             <a:endParaRPr lang="en-US"/>
           </a:p>
@@ -15584,7 +15584,7 @@
           <a:p>
             <a:fld id="{82EDB8D0-98ED-4B86-9D5F-E61ADC70144D}" type="datetimeFigureOut">
               <a:rPr lang="en-US" smtClean="0"/>
-              <a:t>10/10/2024</a:t>
+              <a:t>10/16/2024</a:t>
             </a:fld>
             <a:endParaRPr lang="en-US"/>
           </a:p>
@@ -16280,7 +16280,7 @@
           <a:p>
             <a:fld id="{82EDB8D0-98ED-4B86-9D5F-E61ADC70144D}" type="datetimeFigureOut">
               <a:rPr lang="en-US" smtClean="0"/>
-              <a:t>10/10/2024</a:t>
+              <a:t>10/16/2024</a:t>
             </a:fld>
             <a:endParaRPr lang="en-US"/>
           </a:p>
@@ -16705,7 +16705,7 @@
           <a:p>
             <a:fld id="{82EDB8D0-98ED-4B86-9D5F-E61ADC70144D}" type="datetimeFigureOut">
               <a:rPr lang="en-US" smtClean="0"/>
-              <a:t>10/10/2024</a:t>
+              <a:t>10/16/2024</a:t>
             </a:fld>
             <a:endParaRPr lang="en-US"/>
           </a:p>
@@ -17102,7 +17102,7 @@
           <a:p>
             <a:fld id="{82EDB8D0-98ED-4B86-9D5F-E61ADC70144D}" type="datetimeFigureOut">
               <a:rPr lang="en-US" smtClean="0"/>
-              <a:t>10/10/2024</a:t>
+              <a:t>10/16/2024</a:t>
             </a:fld>
             <a:endParaRPr lang="en-US"/>
           </a:p>
@@ -17697,7 +17697,7 @@
           <a:p>
             <a:fld id="{82EDB8D0-98ED-4B86-9D5F-E61ADC70144D}" type="datetimeFigureOut">
               <a:rPr lang="en-US" smtClean="0"/>
-              <a:t>10/10/2024</a:t>
+              <a:t>10/16/2024</a:t>
             </a:fld>
             <a:endParaRPr lang="en-US"/>
           </a:p>
@@ -18272,7 +18272,7 @@
           <a:p>
             <a:fld id="{82EDB8D0-98ED-4B86-9D5F-E61ADC70144D}" type="datetimeFigureOut">
               <a:rPr lang="en-US" smtClean="0"/>
-              <a:t>10/10/2024</a:t>
+              <a:t>10/16/2024</a:t>
             </a:fld>
             <a:endParaRPr lang="en-US"/>
           </a:p>
@@ -18799,7 +18799,7 @@
             <a:fld id="{82EDB8D0-98ED-4B86-9D5F-E61ADC70144D}" type="datetimeFigureOut">
               <a:rPr lang="en-US" smtClean="0"/>
               <a:pPr/>
-              <a:t>10/10/2024</a:t>
+              <a:t>10/16/2024</a:t>
             </a:fld>
             <a:endParaRPr lang="en-US"/>
           </a:p>
@@ -21307,7 +21307,7 @@
             <p:ph idx="1"/>
             <p:extLst>
               <p:ext uri="{D42A27DB-BD31-4B8C-83A1-F6EECF244321}">
-                <p14:modId xmlns:p14="http://schemas.microsoft.com/office/powerpoint/2010/main" val="917395652"/>
+                <p14:modId xmlns:p14="http://schemas.microsoft.com/office/powerpoint/2010/main" val="3724346388"/>
               </p:ext>
             </p:extLst>
           </p:nvPr>
